--- a/note/UI总结.pptx
+++ b/note/UI总结.pptx
@@ -4828,7 +4828,7 @@
         </p:nvGraphicFramePr>
         <p:xfrm>
           <a:off x="1699260" y="457835"/>
-          <a:ext cx="8530590" cy="2514600"/>
+          <a:ext cx="8959215" cy="2727960"/>
         </p:xfrm>
         <a:graphic>
           <a:graphicData uri="http://schemas.openxmlformats.org/drawingml/2006/table">
@@ -4842,7 +4842,7 @@
                 <a:gridCol w="1327150"/>
                 <a:gridCol w="1870710"/>
                 <a:gridCol w="1362075"/>
-                <a:gridCol w="1032510"/>
+                <a:gridCol w="1461135"/>
               </a:tblGrid>
               <a:tr h="381000">
                 <a:tc>
@@ -4932,7 +4932,11 @@
                       <a:pPr>
                         <a:buNone/>
                       </a:pPr>
-                      <a:endParaRPr lang="zh-CN" altLang="en-US"/>
+                      <a:r>
+                        <a:rPr lang="en-US" altLang="zh-CN"/>
+                        <a:t> Data</a:t>
+                      </a:r>
+                      <a:endParaRPr lang="en-US" altLang="zh-CN"/>
                     </a:p>
                   </a:txBody>
                   <a:tcPr/>
@@ -5093,7 +5097,23 @@
                       <a:pPr>
                         <a:buNone/>
                       </a:pPr>
-                      <a:endParaRPr lang="zh-CN" altLang="en-US"/>
+                      <a:r>
+                        <a:rPr lang="en-US" altLang="zh-CN">
+                          <a:solidFill>
+                            <a:schemeClr val="bg2">
+                              <a:lumMod val="75000"/>
+                            </a:schemeClr>
+                          </a:solidFill>
+                        </a:rPr>
+                        <a:t>pagination</a:t>
+                      </a:r>
+                      <a:endParaRPr lang="en-US" altLang="zh-CN">
+                        <a:solidFill>
+                          <a:schemeClr val="bg2">
+                            <a:lumMod val="75000"/>
+                          </a:schemeClr>
+                        </a:solidFill>
+                      </a:endParaRPr>
                     </a:p>
                   </a:txBody>
                   <a:tcPr/>
@@ -5179,7 +5199,23 @@
                       <a:pPr>
                         <a:buNone/>
                       </a:pPr>
-                      <a:endParaRPr lang="zh-CN" altLang="en-US"/>
+                      <a:r>
+                        <a:rPr lang="en-US" altLang="zh-CN">
+                          <a:solidFill>
+                            <a:schemeClr val="bg2">
+                              <a:lumMod val="75000"/>
+                            </a:schemeClr>
+                          </a:solidFill>
+                        </a:rPr>
+                        <a:t>nav</a:t>
+                      </a:r>
+                      <a:endParaRPr lang="en-US" altLang="zh-CN">
+                        <a:solidFill>
+                          <a:schemeClr val="bg2">
+                            <a:lumMod val="75000"/>
+                          </a:schemeClr>
+                        </a:solidFill>
+                      </a:endParaRPr>
                     </a:p>
                   </a:txBody>
                   <a:tcPr/>
@@ -5315,7 +5351,23 @@
                       <a:pPr>
                         <a:buNone/>
                       </a:pPr>
-                      <a:endParaRPr lang="zh-CN" altLang="en-US"/>
+                      <a:r>
+                        <a:rPr lang="en-US" altLang="zh-CN">
+                          <a:solidFill>
+                            <a:schemeClr val="bg2">
+                              <a:lumMod val="75000"/>
+                            </a:schemeClr>
+                          </a:solidFill>
+                        </a:rPr>
+                        <a:t>form</a:t>
+                      </a:r>
+                      <a:endParaRPr lang="en-US" altLang="zh-CN">
+                        <a:solidFill>
+                          <a:schemeClr val="bg2">
+                            <a:lumMod val="75000"/>
+                          </a:schemeClr>
+                        </a:solidFill>
+                      </a:endParaRPr>
                     </a:p>
                   </a:txBody>
                   <a:tcPr/>
@@ -5484,7 +5536,7 @@
         <p:spPr>
           <a:xfrm>
             <a:off x="8697595" y="4189730"/>
-            <a:ext cx="2596515" cy="1753235"/>
+            <a:ext cx="2596515" cy="2030095"/>
           </a:xfrm>
           <a:prstGeom prst="rect">
             <a:avLst/>
@@ -5536,6 +5588,17 @@
               <a:t>updated()</a:t>
             </a:r>
             <a:endParaRPr lang="en-US" altLang="zh-CN"/>
+          </a:p>
+          <a:p>
+            <a:r>
+              <a:rPr lang="en-US" altLang="zh-CN"/>
+              <a:t>transition</a:t>
+            </a:r>
+            <a:r>
+              <a:rPr lang="zh-CN" altLang="en-US"/>
+              <a:t>组件</a:t>
+            </a:r>
+            <a:endParaRPr lang="zh-CN" altLang="en-US"/>
           </a:p>
         </p:txBody>
       </p:sp>

--- a/note/UI总结.pptx
+++ b/note/UI总结.pptx
@@ -4827,8 +4827,8 @@
           <p:nvPr/>
         </p:nvGraphicFramePr>
         <p:xfrm>
-          <a:off x="1699260" y="457835"/>
-          <a:ext cx="8959215" cy="2727960"/>
+          <a:off x="972185" y="457835"/>
+          <a:ext cx="9686290" cy="2956560"/>
         </p:xfrm>
         <a:graphic>
           <a:graphicData uri="http://schemas.openxmlformats.org/drawingml/2006/table">
@@ -4837,8 +4837,8 @@
                 <a:tableStyleId>{5C22544A-7EE6-4342-B048-85BDC9FD1C3A}</a:tableStyleId>
               </a:tblPr>
               <a:tblGrid>
-                <a:gridCol w="1787525"/>
-                <a:gridCol w="1150620"/>
+                <a:gridCol w="1858645"/>
+                <a:gridCol w="1806575"/>
                 <a:gridCol w="1327150"/>
                 <a:gridCol w="1870710"/>
                 <a:gridCol w="1362075"/>
@@ -5305,7 +5305,23 @@
                       <a:pPr>
                         <a:buNone/>
                       </a:pPr>
-                      <a:endParaRPr lang="zh-CN" altLang="en-US"/>
+                      <a:r>
+                        <a:rPr lang="en-US" altLang="zh-CN">
+                          <a:solidFill>
+                            <a:schemeClr val="bg2">
+                              <a:lumMod val="75000"/>
+                            </a:schemeClr>
+                          </a:solidFill>
+                        </a:rPr>
+                        <a:t>table</a:t>
+                      </a:r>
+                      <a:endParaRPr lang="en-US" altLang="zh-CN">
+                        <a:solidFill>
+                          <a:schemeClr val="bg2">
+                            <a:lumMod val="75000"/>
+                          </a:schemeClr>
+                        </a:solidFill>
+                      </a:endParaRPr>
                     </a:p>
                   </a:txBody>
                   <a:tcPr/>
@@ -5379,7 +5395,23 @@
                       <a:pPr>
                         <a:buNone/>
                       </a:pPr>
-                      <a:endParaRPr lang="zh-CN" altLang="en-US"/>
+                      <a:r>
+                        <a:rPr lang="en-US" altLang="zh-CN">
+                          <a:solidFill>
+                            <a:schemeClr val="bg2">
+                              <a:lumMod val="75000"/>
+                            </a:schemeClr>
+                          </a:solidFill>
+                        </a:rPr>
+                        <a:t>step</a:t>
+                      </a:r>
+                      <a:endParaRPr lang="en-US" altLang="zh-CN">
+                        <a:solidFill>
+                          <a:schemeClr val="bg2">
+                            <a:lumMod val="75000"/>
+                          </a:schemeClr>
+                        </a:solidFill>
+                      </a:endParaRPr>
                     </a:p>
                   </a:txBody>
                   <a:tcPr/>
@@ -5403,7 +5435,23 @@
                       <a:pPr>
                         <a:buNone/>
                       </a:pPr>
-                      <a:endParaRPr lang="zh-CN" altLang="en-US"/>
+                      <a:r>
+                        <a:rPr lang="en-US" altLang="zh-CN">
+                          <a:solidFill>
+                            <a:schemeClr val="bg2">
+                              <a:lumMod val="75000"/>
+                            </a:schemeClr>
+                          </a:solidFill>
+                        </a:rPr>
+                        <a:t>sticky</a:t>
+                      </a:r>
+                      <a:endParaRPr lang="en-US" altLang="zh-CN">
+                        <a:solidFill>
+                          <a:schemeClr val="bg2">
+                            <a:lumMod val="75000"/>
+                          </a:schemeClr>
+                        </a:solidFill>
+                      </a:endParaRPr>
                     </a:p>
                   </a:txBody>
                   <a:tcPr/>
@@ -5469,7 +5517,129 @@
                       <a:pPr>
                         <a:buNone/>
                       </a:pPr>
+                      <a:r>
+                        <a:rPr lang="en-US" altLang="zh-CN">
+                          <a:solidFill>
+                            <a:schemeClr val="bg2">
+                              <a:lumMod val="75000"/>
+                            </a:schemeClr>
+                          </a:solidFill>
+                        </a:rPr>
+                        <a:t>uploader</a:t>
+                      </a:r>
+                      <a:endParaRPr lang="en-US" altLang="zh-CN">
+                        <a:solidFill>
+                          <a:schemeClr val="bg2">
+                            <a:lumMod val="75000"/>
+                          </a:schemeClr>
+                        </a:solidFill>
+                      </a:endParaRPr>
+                    </a:p>
+                  </a:txBody>
+                  <a:tcPr/>
+                </a:tc>
+                <a:tc>
+                  <a:txBody>
+                    <a:bodyPr/>
+                    <a:p>
+                      <a:pPr>
+                        <a:buNone/>
+                      </a:pPr>
                       <a:endParaRPr lang="zh-CN" altLang="en-US"/>
+                    </a:p>
+                  </a:txBody>
+                  <a:tcPr/>
+                </a:tc>
+                <a:tc>
+                  <a:txBody>
+                    <a:bodyPr/>
+                    <a:p>
+                      <a:pPr>
+                        <a:buNone/>
+                      </a:pPr>
+                      <a:endParaRPr lang="zh-CN" altLang="en-US"/>
+                    </a:p>
+                  </a:txBody>
+                  <a:tcPr/>
+                </a:tc>
+                <a:tc>
+                  <a:txBody>
+                    <a:bodyPr/>
+                    <a:p>
+                      <a:pPr>
+                        <a:buNone/>
+                      </a:pPr>
+                      <a:r>
+                        <a:rPr lang="en-US" altLang="zh-CN">
+                          <a:solidFill>
+                            <a:schemeClr val="bg2">
+                              <a:lumMod val="75000"/>
+                            </a:schemeClr>
+                          </a:solidFill>
+                        </a:rPr>
+                        <a:t>router</a:t>
+                      </a:r>
+                      <a:endParaRPr lang="en-US" altLang="zh-CN">
+                        <a:solidFill>
+                          <a:schemeClr val="bg2">
+                            <a:lumMod val="75000"/>
+                          </a:schemeClr>
+                        </a:solidFill>
+                      </a:endParaRPr>
+                    </a:p>
+                  </a:txBody>
+                  <a:tcPr/>
+                </a:tc>
+                <a:tc>
+                  <a:txBody>
+                    <a:bodyPr/>
+                    <a:p>
+                      <a:pPr>
+                        <a:buNone/>
+                      </a:pPr>
+                      <a:endParaRPr lang="zh-CN" altLang="en-US"/>
+                    </a:p>
+                  </a:txBody>
+                  <a:tcPr/>
+                </a:tc>
+              </a:tr>
+              <a:tr h="381000">
+                <a:tc>
+                  <a:txBody>
+                    <a:bodyPr/>
+                    <a:p>
+                      <a:pPr>
+                        <a:buNone/>
+                      </a:pPr>
+                      <a:endParaRPr lang="en-US" altLang="zh-CN" sz="1400"/>
+                    </a:p>
+                  </a:txBody>
+                  <a:tcPr/>
+                </a:tc>
+                <a:tc>
+                  <a:txBody>
+                    <a:bodyPr/>
+                    <a:p>
+                      <a:pPr>
+                        <a:buNone/>
+                      </a:pPr>
+                      <a:r>
+                        <a:rPr lang="en-US" altLang="zh-CN">
+                          <a:solidFill>
+                            <a:schemeClr val="bg2">
+                              <a:lumMod val="75000"/>
+                            </a:schemeClr>
+                          </a:solidFill>
+                        </a:rPr>
+                        <a:t>datepicker</a:t>
+                      </a:r>
+                      <a:endParaRPr lang="en-US" altLang="zh-CN">
+                        <a:solidFill>
+                          <a:schemeClr val="bg2">
+                            <a:lumMod val="75000"/>
+                          </a:schemeClr>
+                        </a:solidFill>
+                      </a:endParaRPr>
                     </a:p>
                   </a:txBody>
                   <a:tcPr/>

--- a/note/UI总结.pptx
+++ b/note/UI总结.pptx
@@ -5370,18 +5370,14 @@
                       <a:r>
                         <a:rPr lang="en-US" altLang="zh-CN">
                           <a:solidFill>
-                            <a:schemeClr val="bg2">
-                              <a:lumMod val="75000"/>
-                            </a:schemeClr>
+                            <a:schemeClr val="tx1"/>
                           </a:solidFill>
                         </a:rPr>
                         <a:t>form</a:t>
                       </a:r>
                       <a:endParaRPr lang="en-US" altLang="zh-CN">
                         <a:solidFill>
-                          <a:schemeClr val="bg2">
-                            <a:lumMod val="75000"/>
-                          </a:schemeClr>
+                          <a:schemeClr val="tx1"/>
                         </a:solidFill>
                       </a:endParaRPr>
                     </a:p>
@@ -5438,18 +5434,14 @@
                       <a:r>
                         <a:rPr lang="en-US" altLang="zh-CN">
                           <a:solidFill>
-                            <a:schemeClr val="bg2">
-                              <a:lumMod val="75000"/>
-                            </a:schemeClr>
+                            <a:schemeClr val="tx1"/>
                           </a:solidFill>
                         </a:rPr>
                         <a:t>sticky</a:t>
                       </a:r>
                       <a:endParaRPr lang="en-US" altLang="zh-CN">
                         <a:solidFill>
-                          <a:schemeClr val="bg2">
-                            <a:lumMod val="75000"/>
-                          </a:schemeClr>
+                          <a:schemeClr val="tx1"/>
                         </a:solidFill>
                       </a:endParaRPr>
                     </a:p>

--- a/note/UI总结.pptx
+++ b/note/UI总结.pptx
@@ -5394,18 +5394,14 @@
                       <a:r>
                         <a:rPr lang="en-US" altLang="zh-CN">
                           <a:solidFill>
-                            <a:schemeClr val="bg2">
-                              <a:lumMod val="75000"/>
-                            </a:schemeClr>
+                            <a:schemeClr val="tx1"/>
                           </a:solidFill>
                         </a:rPr>
                         <a:t>step</a:t>
                       </a:r>
                       <a:endParaRPr lang="en-US" altLang="zh-CN">
                         <a:solidFill>
-                          <a:schemeClr val="bg2">
-                            <a:lumMod val="75000"/>
-                          </a:schemeClr>
+                          <a:schemeClr val="tx1"/>
                         </a:solidFill>
                       </a:endParaRPr>
                     </a:p>

--- a/note/UI总结.pptx
+++ b/note/UI总结.pptx
@@ -5612,20 +5612,16 @@
                         <a:buNone/>
                       </a:pPr>
                       <a:r>
-                        <a:rPr lang="en-US" altLang="zh-CN">
+                        <a:rPr lang="en-US" altLang="zh-CN" b="1">
                           <a:solidFill>
-                            <a:schemeClr val="bg2">
-                              <a:lumMod val="75000"/>
-                            </a:schemeClr>
+                            <a:schemeClr val="tx1"/>
                           </a:solidFill>
                         </a:rPr>
                         <a:t>datepicker</a:t>
                       </a:r>
-                      <a:endParaRPr lang="en-US" altLang="zh-CN">
+                      <a:endParaRPr lang="en-US" altLang="zh-CN" b="1">
                         <a:solidFill>
-                          <a:schemeClr val="bg2">
-                            <a:lumMod val="75000"/>
-                          </a:schemeClr>
+                          <a:schemeClr val="tx1"/>
                         </a:solidFill>
                       </a:endParaRPr>
                     </a:p>

--- a/note/UI总结.pptx
+++ b/note/UI总结.pptx
@@ -5415,6 +5415,55 @@
                       <a:pPr>
                         <a:buNone/>
                       </a:pPr>
+                      <a:r>
+                        <a:rPr lang="en-US" altLang="zh-CN"/>
+                        <a:t>modal</a:t>
+                      </a:r>
+                      <a:r>
+                        <a:rPr lang="zh-CN" altLang="en-US"/>
+                        <a:t>（</a:t>
+                      </a:r>
+                      <a:r>
+                        <a:rPr lang="zh-CN" altLang="en-US" sz="1800">
+                          <a:solidFill>
+                            <a:schemeClr val="bg2">
+                              <a:lumMod val="50000"/>
+                            </a:schemeClr>
+                          </a:solidFill>
+                          <a:sym typeface="+mn-ea"/>
+                        </a:rPr>
+                        <a:t>插件，</a:t>
+                      </a:r>
+                      <a:r>
+                        <a:rPr lang="zh-CN" altLang="en-US" sz="1800">
+                          <a:solidFill>
+                            <a:srgbClr val="FF0000"/>
+                          </a:solidFill>
+                          <a:sym typeface="+mn-ea"/>
+                        </a:rPr>
+                        <a:t>事件监听</a:t>
+                      </a:r>
+                      <a:r>
+                        <a:rPr lang="zh-CN" altLang="en-US" sz="1800">
+                          <a:sym typeface="+mn-ea"/>
+                        </a:rPr>
+                        <a:t>，</a:t>
+                      </a:r>
+                      <a:r>
+                        <a:rPr lang="en-US" altLang="zh-CN" sz="1800">
+                          <a:solidFill>
+                            <a:schemeClr val="accent2">
+                              <a:lumMod val="75000"/>
+                            </a:schemeClr>
+                          </a:solidFill>
+                          <a:sym typeface="+mn-ea"/>
+                        </a:rPr>
+                        <a:t>js Dom</a:t>
+                      </a:r>
+                      <a:r>
+                        <a:rPr lang="zh-CN" altLang="en-US"/>
+                        <a:t>）</a:t>
+                      </a:r>
                       <a:endParaRPr lang="zh-CN" altLang="en-US"/>
                     </a:p>
                   </a:txBody>
@@ -5960,7 +6009,7 @@
         </p:nvSpPr>
         <p:spPr>
           <a:xfrm>
-            <a:off x="2235835" y="3714115"/>
+            <a:off x="2471420" y="4834890"/>
             <a:ext cx="1922780" cy="826135"/>
           </a:xfrm>
           <a:prstGeom prst="ellipse">
